--- a/doc/SCALLOP_INF1-080319.pptx
+++ b/doc/SCALLOP_INF1-080319.pptx
@@ -3418,11 +3418,7 @@
           <a:p>
             <a:r>
               <a:rPr lang="en-GB" dirty="0" smtClean="0"/>
-              <a:t>8</a:t>
-            </a:r>
-            <a:r>
-              <a:rPr lang="en-GB" dirty="0" smtClean="0"/>
-              <a:t>/3/2019</a:t>
+              <a:t>8/3/2019</a:t>
             </a:r>
             <a:endParaRPr lang="en-GB" dirty="0"/>
           </a:p>
@@ -3480,11 +3476,7 @@
             </a:r>
             <a:r>
               <a:rPr lang="en-GB" b="1" dirty="0"/>
-              <a:t>brief </a:t>
-            </a:r>
-            <a:r>
-              <a:rPr lang="en-GB" b="1" dirty="0"/>
-              <a:t>summary (</a:t>
+              <a:t>brief summary (</a:t>
             </a:r>
             <a:r>
               <a:rPr lang="en-GB" b="1" dirty="0" smtClean="0"/>
@@ -3600,11 +3592,7 @@
             </a:r>
             <a:r>
               <a:rPr lang="en-GB" b="1" dirty="0"/>
-              <a:t>next </a:t>
-            </a:r>
-            <a:r>
-              <a:rPr lang="en-GB" b="1" dirty="0"/>
-              <a:t>steps (</a:t>
+              <a:t>next steps (</a:t>
             </a:r>
             <a:r>
               <a:rPr lang="en-GB" b="1" dirty="0" smtClean="0"/>
@@ -3799,13 +3787,20 @@
           <a:p>
             <a:r>
               <a:rPr lang="en-GB" dirty="0" smtClean="0"/>
-              <a:t>29 chromosomes remain to be analysed for KORA + ARTN reanalysing at TRYGGVE (smaller size). n</a:t>
+              <a:t>29 chromosomes remain to be analysed for KORA + ARTN reanalysing at TRYGGVE (smaller size). normalised level </a:t>
+            </a:r>
+            <a:r>
+              <a:rPr lang="en-GB" smtClean="0"/>
+              <a:t>~ </a:t>
+            </a:r>
+            <a:r>
+              <a:rPr lang="en-GB" smtClean="0"/>
+              <a:t>age+sex+PC1-5+genotype </a:t>
             </a:r>
             <a:r>
               <a:rPr lang="en-GB" dirty="0" smtClean="0"/>
-              <a:t>ormalised level ~ age+sex+PC1-4+genotype under additive model with SNPTEST.</a:t>
-            </a:r>
-            <a:endParaRPr lang="en-GB" dirty="0" smtClean="0"/>
+              <a:t>under additive model with SNPTEST.</a:t>
+            </a:r>
           </a:p>
           <a:p>
             <a:r>

--- a/doc/SCALLOP_INF1-080319.pptx
+++ b/doc/SCALLOP_INF1-080319.pptx
@@ -13,6 +13,7 @@
     <p:sldId id="268" r:id="rId7"/>
     <p:sldId id="269" r:id="rId8"/>
     <p:sldId id="270" r:id="rId9"/>
+    <p:sldId id="271" r:id="rId10"/>
   </p:sldIdLst>
   <p:sldSz cx="12192000" cy="6858000"/>
   <p:notesSz cx="6858000" cy="9144000"/>
@@ -268,7 +269,7 @@
           <a:p>
             <a:fld id="{E1BC1721-5CED-45EF-BE6E-B0E4EE9D0A2D}" type="datetimeFigureOut">
               <a:rPr lang="en-GB" smtClean="0"/>
-              <a:t>07/03/2019</a:t>
+              <a:t>08/03/2019</a:t>
             </a:fld>
             <a:endParaRPr lang="en-GB"/>
           </a:p>
@@ -468,7 +469,7 @@
           <a:p>
             <a:fld id="{E1BC1721-5CED-45EF-BE6E-B0E4EE9D0A2D}" type="datetimeFigureOut">
               <a:rPr lang="en-GB" smtClean="0"/>
-              <a:t>07/03/2019</a:t>
+              <a:t>08/03/2019</a:t>
             </a:fld>
             <a:endParaRPr lang="en-GB"/>
           </a:p>
@@ -678,7 +679,7 @@
           <a:p>
             <a:fld id="{E1BC1721-5CED-45EF-BE6E-B0E4EE9D0A2D}" type="datetimeFigureOut">
               <a:rPr lang="en-GB" smtClean="0"/>
-              <a:t>07/03/2019</a:t>
+              <a:t>08/03/2019</a:t>
             </a:fld>
             <a:endParaRPr lang="en-GB"/>
           </a:p>
@@ -878,7 +879,7 @@
           <a:p>
             <a:fld id="{E1BC1721-5CED-45EF-BE6E-B0E4EE9D0A2D}" type="datetimeFigureOut">
               <a:rPr lang="en-GB" smtClean="0"/>
-              <a:t>07/03/2019</a:t>
+              <a:t>08/03/2019</a:t>
             </a:fld>
             <a:endParaRPr lang="en-GB"/>
           </a:p>
@@ -1154,7 +1155,7 @@
           <a:p>
             <a:fld id="{E1BC1721-5CED-45EF-BE6E-B0E4EE9D0A2D}" type="datetimeFigureOut">
               <a:rPr lang="en-GB" smtClean="0"/>
-              <a:t>07/03/2019</a:t>
+              <a:t>08/03/2019</a:t>
             </a:fld>
             <a:endParaRPr lang="en-GB"/>
           </a:p>
@@ -1422,7 +1423,7 @@
           <a:p>
             <a:fld id="{E1BC1721-5CED-45EF-BE6E-B0E4EE9D0A2D}" type="datetimeFigureOut">
               <a:rPr lang="en-GB" smtClean="0"/>
-              <a:t>07/03/2019</a:t>
+              <a:t>08/03/2019</a:t>
             </a:fld>
             <a:endParaRPr lang="en-GB"/>
           </a:p>
@@ -1837,7 +1838,7 @@
           <a:p>
             <a:fld id="{E1BC1721-5CED-45EF-BE6E-B0E4EE9D0A2D}" type="datetimeFigureOut">
               <a:rPr lang="en-GB" smtClean="0"/>
-              <a:t>07/03/2019</a:t>
+              <a:t>08/03/2019</a:t>
             </a:fld>
             <a:endParaRPr lang="en-GB"/>
           </a:p>
@@ -1979,7 +1980,7 @@
           <a:p>
             <a:fld id="{E1BC1721-5CED-45EF-BE6E-B0E4EE9D0A2D}" type="datetimeFigureOut">
               <a:rPr lang="en-GB" smtClean="0"/>
-              <a:t>07/03/2019</a:t>
+              <a:t>08/03/2019</a:t>
             </a:fld>
             <a:endParaRPr lang="en-GB"/>
           </a:p>
@@ -2092,7 +2093,7 @@
           <a:p>
             <a:fld id="{E1BC1721-5CED-45EF-BE6E-B0E4EE9D0A2D}" type="datetimeFigureOut">
               <a:rPr lang="en-GB" smtClean="0"/>
-              <a:t>07/03/2019</a:t>
+              <a:t>08/03/2019</a:t>
             </a:fld>
             <a:endParaRPr lang="en-GB"/>
           </a:p>
@@ -2405,7 +2406,7 @@
           <a:p>
             <a:fld id="{E1BC1721-5CED-45EF-BE6E-B0E4EE9D0A2D}" type="datetimeFigureOut">
               <a:rPr lang="en-GB" smtClean="0"/>
-              <a:t>07/03/2019</a:t>
+              <a:t>08/03/2019</a:t>
             </a:fld>
             <a:endParaRPr lang="en-GB"/>
           </a:p>
@@ -2694,7 +2695,7 @@
           <a:p>
             <a:fld id="{E1BC1721-5CED-45EF-BE6E-B0E4EE9D0A2D}" type="datetimeFigureOut">
               <a:rPr lang="en-GB" smtClean="0"/>
-              <a:t>07/03/2019</a:t>
+              <a:t>08/03/2019</a:t>
             </a:fld>
             <a:endParaRPr lang="en-GB"/>
           </a:p>
@@ -2937,7 +2938,7 @@
           <a:p>
             <a:fld id="{E1BC1721-5CED-45EF-BE6E-B0E4EE9D0A2D}" type="datetimeFigureOut">
               <a:rPr lang="en-GB" smtClean="0"/>
-              <a:t>07/03/2019</a:t>
+              <a:t>08/03/2019</a:t>
             </a:fld>
             <a:endParaRPr lang="en-GB"/>
           </a:p>
@@ -3677,11 +3678,7 @@
             </a:r>
             <a:r>
               <a:rPr lang="en-GB" dirty="0"/>
-              <a:t>, </a:t>
-            </a:r>
-            <a:r>
-              <a:rPr lang="en-GB"/>
-              <a:t>both involving HRC+UK10K. </a:t>
+              <a:t>, both involving HRC+UK10K. </a:t>
             </a:r>
             <a:r>
               <a:rPr lang="en-GB" dirty="0" err="1"/>
@@ -3791,11 +3788,7 @@
             </a:r>
             <a:r>
               <a:rPr lang="en-GB" smtClean="0"/>
-              <a:t>~ </a:t>
-            </a:r>
-            <a:r>
-              <a:rPr lang="en-GB" smtClean="0"/>
-              <a:t>age+sex+PC1-5+genotype </a:t>
+              <a:t>~ age+sex+PC1-5+genotype </a:t>
             </a:r>
             <a:r>
               <a:rPr lang="en-GB" dirty="0" smtClean="0"/>
@@ -4299,6 +4292,194 @@
     <p:extLst>
       <p:ext uri="{BB962C8B-B14F-4D97-AF65-F5344CB8AC3E}">
         <p14:creationId xmlns:p14="http://schemas.microsoft.com/office/powerpoint/2010/main" val="2179527099"/>
+      </p:ext>
+    </p:extLst>
+  </p:cSld>
+  <p:clrMapOvr>
+    <a:masterClrMapping/>
+  </p:clrMapOvr>
+</p:sld>
+</file>
+
+<file path=ppt/slides/slide9.xml><?xml version="1.0" encoding="utf-8"?>
+<p:sld xmlns:a="http://schemas.openxmlformats.org/drawingml/2006/main" xmlns:r="http://schemas.openxmlformats.org/officeDocument/2006/relationships" xmlns:p="http://schemas.openxmlformats.org/presentationml/2006/main">
+  <p:cSld>
+    <p:spTree>
+      <p:nvGrpSpPr>
+        <p:cNvPr id="1" name=""/>
+        <p:cNvGrpSpPr/>
+        <p:nvPr/>
+      </p:nvGrpSpPr>
+      <p:grpSpPr>
+        <a:xfrm>
+          <a:off x="0" y="0"/>
+          <a:ext cx="0" cy="0"/>
+          <a:chOff x="0" y="0"/>
+          <a:chExt cx="0" cy="0"/>
+        </a:xfrm>
+      </p:grpSpPr>
+      <p:sp>
+        <p:nvSpPr>
+          <p:cNvPr id="2" name="Title 1"/>
+          <p:cNvSpPr>
+            <a:spLocks noGrp="1"/>
+          </p:cNvSpPr>
+          <p:nvPr>
+            <p:ph type="title"/>
+          </p:nvPr>
+        </p:nvSpPr>
+        <p:spPr/>
+        <p:txBody>
+          <a:bodyPr/>
+          <a:lstStyle/>
+          <a:p>
+            <a:pPr algn="ctr"/>
+            <a:r>
+              <a:rPr lang="en-US" b="1" dirty="0" smtClean="0"/>
+              <a:t>Points from discussion</a:t>
+            </a:r>
+            <a:endParaRPr lang="en-GB" b="1" dirty="0"/>
+          </a:p>
+        </p:txBody>
+      </p:sp>
+      <p:sp>
+        <p:nvSpPr>
+          <p:cNvPr id="3" name="Content Placeholder 2"/>
+          <p:cNvSpPr>
+            <a:spLocks noGrp="1"/>
+          </p:cNvSpPr>
+          <p:nvPr>
+            <p:ph idx="1"/>
+          </p:nvPr>
+        </p:nvSpPr>
+        <p:spPr/>
+        <p:txBody>
+          <a:bodyPr>
+            <a:normAutofit lnSpcReduction="10000"/>
+          </a:bodyPr>
+          <a:lstStyle/>
+          <a:p>
+            <a:r>
+              <a:rPr lang="en-US" dirty="0" smtClean="0"/>
+              <a:t>Cohort-specific </a:t>
+            </a:r>
+            <a:r>
+              <a:rPr lang="en-US" dirty="0" err="1" smtClean="0"/>
+              <a:t>sumstats</a:t>
+            </a:r>
+            <a:r>
+              <a:rPr lang="en-US" dirty="0" smtClean="0"/>
+              <a:t> for N, MAF, HWE, INFO in </a:t>
+            </a:r>
+            <a:r>
+              <a:rPr lang="en-US" dirty="0" err="1" smtClean="0"/>
+              <a:t>qctool</a:t>
+            </a:r>
+            <a:r>
+              <a:rPr lang="en-US" dirty="0" smtClean="0"/>
+              <a:t> –</a:t>
+            </a:r>
+            <a:r>
+              <a:rPr lang="en-US" dirty="0" err="1" smtClean="0"/>
+              <a:t>snp</a:t>
+            </a:r>
+            <a:r>
+              <a:rPr lang="en-US" dirty="0" smtClean="0"/>
+              <a:t>-stats</a:t>
+            </a:r>
+          </a:p>
+          <a:p>
+            <a:r>
+              <a:rPr lang="en-US" dirty="0" err="1"/>
+              <a:t>s</a:t>
+            </a:r>
+            <a:r>
+              <a:rPr lang="en-US" dirty="0" err="1" smtClean="0"/>
+              <a:t>umstats</a:t>
+            </a:r>
+            <a:r>
+              <a:rPr lang="en-US" dirty="0" smtClean="0"/>
+              <a:t>/</a:t>
+            </a:r>
+            <a:r>
+              <a:rPr lang="en-US" dirty="0" err="1" smtClean="0"/>
+              <a:t>Mantattan</a:t>
+            </a:r>
+            <a:r>
+              <a:rPr lang="en-US" dirty="0" smtClean="0"/>
+              <a:t> for cohorts with problematic proteins</a:t>
+            </a:r>
+          </a:p>
+          <a:p>
+            <a:r>
+              <a:rPr lang="en-US" dirty="0" smtClean="0"/>
+              <a:t>Between-cohort MAF-MAF plots</a:t>
+            </a:r>
+          </a:p>
+          <a:p>
+            <a:r>
+              <a:rPr lang="en-US" dirty="0" smtClean="0"/>
+              <a:t>P ~ N (for </a:t>
+            </a:r>
+            <a:r>
+              <a:rPr lang="en-US" dirty="0" err="1" smtClean="0"/>
+              <a:t>finemapping</a:t>
+            </a:r>
+            <a:r>
+              <a:rPr lang="en-US" dirty="0" smtClean="0"/>
+              <a:t>) and consistency, e.g. INTERVAL/STABILITY.</a:t>
+            </a:r>
+          </a:p>
+          <a:p>
+            <a:r>
+              <a:rPr lang="en-US" dirty="0" smtClean="0"/>
+              <a:t>False negative for those in the CVD1 panel to </a:t>
+            </a:r>
+            <a:r>
+              <a:rPr lang="en-US" dirty="0" err="1" smtClean="0"/>
+              <a:t>phenoscanner</a:t>
+            </a:r>
+            <a:endParaRPr lang="en-US" dirty="0" smtClean="0"/>
+          </a:p>
+          <a:p>
+            <a:r>
+              <a:rPr lang="en-US" dirty="0" smtClean="0"/>
+              <a:t>Chr19. NLRP12 from INTERVAL`</a:t>
+            </a:r>
+          </a:p>
+          <a:p>
+            <a:r>
+              <a:rPr lang="en-US" dirty="0" smtClean="0"/>
+              <a:t>RECOMBINE experiment</a:t>
+            </a:r>
+          </a:p>
+          <a:p>
+            <a:r>
+              <a:rPr lang="en-US" dirty="0" smtClean="0"/>
+              <a:t>Total # signals relative to other panels</a:t>
+            </a:r>
+          </a:p>
+          <a:p>
+            <a:r>
+              <a:rPr lang="en-US" dirty="0" err="1" smtClean="0"/>
+              <a:t>Phenoscanner</a:t>
+            </a:r>
+            <a:r>
+              <a:rPr lang="en-US" dirty="0" smtClean="0"/>
+              <a:t> and </a:t>
+            </a:r>
+            <a:r>
+              <a:rPr lang="en-US" dirty="0" err="1" smtClean="0"/>
+              <a:t>eQTL</a:t>
+            </a:r>
+            <a:endParaRPr lang="en-GB" dirty="0"/>
+          </a:p>
+        </p:txBody>
+      </p:sp>
+    </p:spTree>
+    <p:extLst>
+      <p:ext uri="{BB962C8B-B14F-4D97-AF65-F5344CB8AC3E}">
+        <p14:creationId xmlns:p14="http://schemas.microsoft.com/office/powerpoint/2010/main" val="3593078460"/>
       </p:ext>
     </p:extLst>
   </p:cSld>
